--- a/The tale of Chelick.pptx
+++ b/The tale of Chelick.pptx
@@ -6,9 +6,12 @@
   </p:sldMasterIdLst>
   <p:sldIdLst>
     <p:sldId id="256" r:id="rId2"/>
-    <p:sldId id="257" r:id="rId3"/>
-    <p:sldId id="258" r:id="rId4"/>
-    <p:sldId id="259" r:id="rId5"/>
+    <p:sldId id="260" r:id="rId3"/>
+    <p:sldId id="257" r:id="rId4"/>
+    <p:sldId id="261" r:id="rId5"/>
+    <p:sldId id="258" r:id="rId6"/>
+    <p:sldId id="262" r:id="rId7"/>
+    <p:sldId id="259" r:id="rId8"/>
   </p:sldIdLst>
   <p:sldSz cx="12192000" cy="6858000"/>
   <p:notesSz cx="6858000" cy="9144000"/>
@@ -107,6 +110,11 @@
       </a:defRPr>
     </a:lvl9pPr>
   </p:defaultTextStyle>
+  <p:extLst>
+    <p:ext uri="{EFAFB233-063F-42B5-8137-9DF3F51BA10A}">
+      <p15:sldGuideLst xmlns:p15="http://schemas.microsoft.com/office/powerpoint/2012/main"/>
+    </p:ext>
+  </p:extLst>
 </p:presentation>
 </file>
 
@@ -832,7 +840,7 @@
           <a:p>
             <a:fld id="{6377644D-53B5-48E5-B7AD-B9C4430A5E41}" type="datetimeFigureOut">
               <a:rPr lang="ru-RU" smtClean="0"/>
-              <a:t>09.01.2022</a:t>
+              <a:t>17.01.2022</a:t>
             </a:fld>
             <a:endParaRPr lang="ru-RU"/>
           </a:p>
@@ -1083,7 +1091,7 @@
           <a:p>
             <a:fld id="{6377644D-53B5-48E5-B7AD-B9C4430A5E41}" type="datetimeFigureOut">
               <a:rPr lang="ru-RU" smtClean="0"/>
-              <a:t>09.01.2022</a:t>
+              <a:t>17.01.2022</a:t>
             </a:fld>
             <a:endParaRPr lang="ru-RU"/>
           </a:p>
@@ -1397,7 +1405,7 @@
           <a:p>
             <a:fld id="{6377644D-53B5-48E5-B7AD-B9C4430A5E41}" type="datetimeFigureOut">
               <a:rPr lang="ru-RU" smtClean="0"/>
-              <a:t>09.01.2022</a:t>
+              <a:t>17.01.2022</a:t>
             </a:fld>
             <a:endParaRPr lang="ru-RU"/>
           </a:p>
@@ -1738,7 +1746,7 @@
           <a:p>
             <a:fld id="{6377644D-53B5-48E5-B7AD-B9C4430A5E41}" type="datetimeFigureOut">
               <a:rPr lang="ru-RU" smtClean="0"/>
-              <a:t>09.01.2022</a:t>
+              <a:t>17.01.2022</a:t>
             </a:fld>
             <a:endParaRPr lang="ru-RU"/>
           </a:p>
@@ -2052,7 +2060,7 @@
           <a:p>
             <a:fld id="{6377644D-53B5-48E5-B7AD-B9C4430A5E41}" type="datetimeFigureOut">
               <a:rPr lang="ru-RU" smtClean="0"/>
-              <a:t>09.01.2022</a:t>
+              <a:t>17.01.2022</a:t>
             </a:fld>
             <a:endParaRPr lang="ru-RU"/>
           </a:p>
@@ -2445,7 +2453,7 @@
           <a:p>
             <a:fld id="{6377644D-53B5-48E5-B7AD-B9C4430A5E41}" type="datetimeFigureOut">
               <a:rPr lang="ru-RU" smtClean="0"/>
-              <a:t>09.01.2022</a:t>
+              <a:t>17.01.2022</a:t>
             </a:fld>
             <a:endParaRPr lang="ru-RU"/>
           </a:p>
@@ -2615,7 +2623,7 @@
           <a:p>
             <a:fld id="{6377644D-53B5-48E5-B7AD-B9C4430A5E41}" type="datetimeFigureOut">
               <a:rPr lang="ru-RU" smtClean="0"/>
-              <a:t>09.01.2022</a:t>
+              <a:t>17.01.2022</a:t>
             </a:fld>
             <a:endParaRPr lang="ru-RU"/>
           </a:p>
@@ -2795,7 +2803,7 @@
           <a:p>
             <a:fld id="{6377644D-53B5-48E5-B7AD-B9C4430A5E41}" type="datetimeFigureOut">
               <a:rPr lang="ru-RU" smtClean="0"/>
-              <a:t>09.01.2022</a:t>
+              <a:t>17.01.2022</a:t>
             </a:fld>
             <a:endParaRPr lang="ru-RU"/>
           </a:p>
@@ -2971,7 +2979,7 @@
           <a:p>
             <a:fld id="{6377644D-53B5-48E5-B7AD-B9C4430A5E41}" type="datetimeFigureOut">
               <a:rPr lang="ru-RU" smtClean="0"/>
-              <a:t>09.01.2022</a:t>
+              <a:t>17.01.2022</a:t>
             </a:fld>
             <a:endParaRPr lang="ru-RU"/>
           </a:p>
@@ -3218,7 +3226,7 @@
           <a:p>
             <a:fld id="{6377644D-53B5-48E5-B7AD-B9C4430A5E41}" type="datetimeFigureOut">
               <a:rPr lang="ru-RU" smtClean="0"/>
-              <a:t>09.01.2022</a:t>
+              <a:t>17.01.2022</a:t>
             </a:fld>
             <a:endParaRPr lang="ru-RU"/>
           </a:p>
@@ -3450,7 +3458,7 @@
           <a:p>
             <a:fld id="{6377644D-53B5-48E5-B7AD-B9C4430A5E41}" type="datetimeFigureOut">
               <a:rPr lang="ru-RU" smtClean="0"/>
-              <a:t>09.01.2022</a:t>
+              <a:t>17.01.2022</a:t>
             </a:fld>
             <a:endParaRPr lang="ru-RU"/>
           </a:p>
@@ -3824,7 +3832,7 @@
           <a:p>
             <a:fld id="{6377644D-53B5-48E5-B7AD-B9C4430A5E41}" type="datetimeFigureOut">
               <a:rPr lang="ru-RU" smtClean="0"/>
-              <a:t>09.01.2022</a:t>
+              <a:t>17.01.2022</a:t>
             </a:fld>
             <a:endParaRPr lang="ru-RU"/>
           </a:p>
@@ -3947,7 +3955,7 @@
           <a:p>
             <a:fld id="{6377644D-53B5-48E5-B7AD-B9C4430A5E41}" type="datetimeFigureOut">
               <a:rPr lang="ru-RU" smtClean="0"/>
-              <a:t>09.01.2022</a:t>
+              <a:t>17.01.2022</a:t>
             </a:fld>
             <a:endParaRPr lang="ru-RU"/>
           </a:p>
@@ -4042,7 +4050,7 @@
           <a:p>
             <a:fld id="{6377644D-53B5-48E5-B7AD-B9C4430A5E41}" type="datetimeFigureOut">
               <a:rPr lang="ru-RU" smtClean="0"/>
-              <a:t>09.01.2022</a:t>
+              <a:t>17.01.2022</a:t>
             </a:fld>
             <a:endParaRPr lang="ru-RU"/>
           </a:p>
@@ -4297,7 +4305,7 @@
           <a:p>
             <a:fld id="{6377644D-53B5-48E5-B7AD-B9C4430A5E41}" type="datetimeFigureOut">
               <a:rPr lang="ru-RU" smtClean="0"/>
-              <a:t>09.01.2022</a:t>
+              <a:t>17.01.2022</a:t>
             </a:fld>
             <a:endParaRPr lang="ru-RU"/>
           </a:p>
@@ -4560,7 +4568,7 @@
           <a:p>
             <a:fld id="{6377644D-53B5-48E5-B7AD-B9C4430A5E41}" type="datetimeFigureOut">
               <a:rPr lang="ru-RU" smtClean="0"/>
-              <a:t>09.01.2022</a:t>
+              <a:t>17.01.2022</a:t>
             </a:fld>
             <a:endParaRPr lang="ru-RU"/>
           </a:p>
@@ -5303,7 +5311,7 @@
           <a:p>
             <a:fld id="{6377644D-53B5-48E5-B7AD-B9C4430A5E41}" type="datetimeFigureOut">
               <a:rPr lang="ru-RU" smtClean="0"/>
-              <a:t>09.01.2022</a:t>
+              <a:t>17.01.2022</a:t>
             </a:fld>
             <a:endParaRPr lang="ru-RU"/>
           </a:p>
@@ -5864,67 +5872,49 @@
             <p:ph type="subTitle" idx="1"/>
           </p:nvPr>
         </p:nvSpPr>
-        <p:spPr/>
-        <p:txBody>
-          <a:bodyPr/>
-          <a:lstStyle/>
-          <a:p>
-            <a:r>
-              <a:rPr lang="ru-MD" sz="2000" dirty="0">
+        <p:spPr>
+          <a:xfrm>
+            <a:off x="7619999" y="5015346"/>
+            <a:ext cx="1958803" cy="991371"/>
+          </a:xfrm>
+        </p:spPr>
+        <p:txBody>
+          <a:bodyPr>
+            <a:normAutofit/>
+          </a:bodyPr>
+          <a:lstStyle/>
+          <a:p>
+            <a:r>
+              <a:rPr lang="ru-MD" dirty="0" smtClean="0">
                 <a:solidFill>
                   <a:schemeClr val="tx1"/>
                 </a:solidFill>
               </a:rPr>
-              <a:t>Цель проекта</a:t>
-            </a:r>
-            <a:r>
-              <a:rPr lang="ru-RU" sz="2000" dirty="0">
+              <a:t>Выполнил:</a:t>
+            </a:r>
+          </a:p>
+          <a:p>
+            <a:r>
+              <a:rPr lang="ru-MD" dirty="0" err="1" smtClean="0">
                 <a:solidFill>
                   <a:schemeClr val="tx1"/>
                 </a:solidFill>
               </a:rPr>
-              <a:t>: </a:t>
-            </a:r>
-            <a:r>
-              <a:rPr lang="ru-MD" sz="2000" dirty="0">
+              <a:t>Сильнов</a:t>
+            </a:r>
+            <a:r>
+              <a:rPr lang="ru-MD" dirty="0" smtClean="0">
                 <a:solidFill>
                   <a:schemeClr val="tx1"/>
                 </a:solidFill>
               </a:rPr>
-              <a:t>написать рабочий код (500+ строк) для создания игры с использованием </a:t>
-            </a:r>
-            <a:r>
-              <a:rPr lang="en-US" sz="2000" dirty="0" err="1">
-                <a:solidFill>
-                  <a:schemeClr val="tx1"/>
-                </a:solidFill>
-              </a:rPr>
-              <a:t>Pygame</a:t>
-            </a:r>
-            <a:r>
-              <a:rPr lang="ru-RU" sz="2000" dirty="0">
-                <a:solidFill>
-                  <a:schemeClr val="tx1"/>
-                </a:solidFill>
-              </a:rPr>
-              <a:t>, </a:t>
-            </a:r>
-            <a:r>
-              <a:rPr lang="ru-MD" sz="2000" dirty="0">
-                <a:solidFill>
-                  <a:schemeClr val="tx1"/>
-                </a:solidFill>
-              </a:rPr>
-              <a:t>как основной библиотеки.</a:t>
-            </a:r>
-            <a:endParaRPr lang="ru-RU" sz="2000" dirty="0">
+              <a:t> Данила</a:t>
+            </a:r>
+            <a:endParaRPr lang="ru-RU" dirty="0">
               <a:solidFill>
                 <a:schemeClr val="tx1"/>
               </a:solidFill>
             </a:endParaRPr>
-          </a:p>
-          <a:p>
-            <a:endParaRPr lang="ru-RU" dirty="0"/>
           </a:p>
         </p:txBody>
       </p:sp>
@@ -5978,6 +5968,276 @@
             <p:ph type="title"/>
           </p:nvPr>
         </p:nvSpPr>
+        <p:spPr/>
+        <p:txBody>
+          <a:bodyPr/>
+          <a:lstStyle/>
+          <a:p>
+            <a:r>
+              <a:rPr lang="ru-MD" dirty="0" smtClean="0"/>
+              <a:t>Идея:</a:t>
+            </a:r>
+            <a:endParaRPr lang="ru-RU" dirty="0"/>
+          </a:p>
+        </p:txBody>
+      </p:sp>
+      <p:sp>
+        <p:nvSpPr>
+          <p:cNvPr id="3" name="Объект 2"/>
+          <p:cNvSpPr>
+            <a:spLocks noGrp="1"/>
+          </p:cNvSpPr>
+          <p:nvPr>
+            <p:ph idx="1"/>
+          </p:nvPr>
+        </p:nvSpPr>
+        <p:spPr/>
+        <p:txBody>
+          <a:bodyPr/>
+          <a:lstStyle/>
+          <a:p>
+            <a:r>
+              <a:rPr lang="ru-MD" dirty="0">
+                <a:solidFill>
+                  <a:schemeClr val="tx1"/>
+                </a:solidFill>
+              </a:rPr>
+              <a:t>Н</a:t>
+            </a:r>
+            <a:r>
+              <a:rPr lang="ru-MD" dirty="0" smtClean="0">
+                <a:solidFill>
+                  <a:schemeClr val="tx1"/>
+                </a:solidFill>
+              </a:rPr>
+              <a:t>аписать </a:t>
+            </a:r>
+            <a:r>
+              <a:rPr lang="ru-MD" dirty="0">
+                <a:solidFill>
+                  <a:schemeClr val="tx1"/>
+                </a:solidFill>
+              </a:rPr>
+              <a:t>рабочий код (500+ строк) для создания игры с использованием </a:t>
+            </a:r>
+            <a:r>
+              <a:rPr lang="en-US" dirty="0" err="1">
+                <a:solidFill>
+                  <a:schemeClr val="tx1"/>
+                </a:solidFill>
+              </a:rPr>
+              <a:t>Pygame</a:t>
+            </a:r>
+            <a:r>
+              <a:rPr lang="ru-RU" dirty="0">
+                <a:solidFill>
+                  <a:schemeClr val="tx1"/>
+                </a:solidFill>
+              </a:rPr>
+              <a:t>, </a:t>
+            </a:r>
+            <a:r>
+              <a:rPr lang="ru-MD" dirty="0">
+                <a:solidFill>
+                  <a:schemeClr val="tx1"/>
+                </a:solidFill>
+              </a:rPr>
+              <a:t>как основной библиотеки</a:t>
+            </a:r>
+            <a:r>
+              <a:rPr lang="ru-MD" dirty="0" smtClean="0">
+                <a:solidFill>
+                  <a:schemeClr val="tx1"/>
+                </a:solidFill>
+              </a:rPr>
+              <a:t>. Игра будет несложным </a:t>
+            </a:r>
+            <a:r>
+              <a:rPr lang="ru-MD" dirty="0" err="1" smtClean="0">
+                <a:solidFill>
+                  <a:schemeClr val="tx1"/>
+                </a:solidFill>
+              </a:rPr>
+              <a:t>платформером</a:t>
+            </a:r>
+            <a:r>
+              <a:rPr lang="ru-MD" dirty="0" smtClean="0">
+                <a:solidFill>
+                  <a:schemeClr val="tx1"/>
+                </a:solidFill>
+              </a:rPr>
+              <a:t>, в жанре аркады.</a:t>
+            </a:r>
+            <a:endParaRPr lang="ru-RU" dirty="0">
+              <a:solidFill>
+                <a:schemeClr val="tx1"/>
+              </a:solidFill>
+            </a:endParaRPr>
+          </a:p>
+          <a:p>
+            <a:endParaRPr lang="ru-RU" dirty="0"/>
+          </a:p>
+        </p:txBody>
+      </p:sp>
+      <p:sp>
+        <p:nvSpPr>
+          <p:cNvPr id="4" name="AutoShape 2" descr="15 лучших платформеров для Android"/>
+          <p:cNvSpPr>
+            <a:spLocks noChangeAspect="1" noChangeArrowheads="1"/>
+          </p:cNvSpPr>
+          <p:nvPr/>
+        </p:nvSpPr>
+        <p:spPr bwMode="auto">
+          <a:xfrm>
+            <a:off x="155575" y="-144463"/>
+            <a:ext cx="304800" cy="304801"/>
+          </a:xfrm>
+          <a:prstGeom prst="rect">
+            <a:avLst/>
+          </a:prstGeom>
+          <a:noFill/>
+          <a:extLst>
+            <a:ext uri="{909E8E84-426E-40DD-AFC4-6F175D3DCCD1}">
+              <a14:hiddenFill xmlns:a14="http://schemas.microsoft.com/office/drawing/2010/main">
+                <a:solidFill>
+                  <a:srgbClr val="FFFFFF"/>
+                </a:solidFill>
+              </a14:hiddenFill>
+            </a:ext>
+          </a:extLst>
+        </p:spPr>
+        <p:txBody>
+          <a:bodyPr vert="horz" wrap="square" lIns="91440" tIns="45720" rIns="91440" bIns="45720" numCol="1" anchor="t" anchorCtr="0" compatLnSpc="1">
+            <a:prstTxWarp prst="textNoShape">
+              <a:avLst/>
+            </a:prstTxWarp>
+          </a:bodyPr>
+          <a:lstStyle/>
+          <a:p>
+            <a:endParaRPr lang="ru-RU"/>
+          </a:p>
+        </p:txBody>
+      </p:sp>
+      <p:sp>
+        <p:nvSpPr>
+          <p:cNvPr id="7" name="AutoShape 8" descr="15 лучших платформеров для Android"/>
+          <p:cNvSpPr>
+            <a:spLocks noChangeAspect="1" noChangeArrowheads="1"/>
+          </p:cNvSpPr>
+          <p:nvPr/>
+        </p:nvSpPr>
+        <p:spPr bwMode="auto">
+          <a:xfrm>
+            <a:off x="307975" y="7937"/>
+            <a:ext cx="304800" cy="304801"/>
+          </a:xfrm>
+          <a:prstGeom prst="rect">
+            <a:avLst/>
+          </a:prstGeom>
+          <a:noFill/>
+          <a:extLst>
+            <a:ext uri="{909E8E84-426E-40DD-AFC4-6F175D3DCCD1}">
+              <a14:hiddenFill xmlns:a14="http://schemas.microsoft.com/office/drawing/2010/main">
+                <a:solidFill>
+                  <a:srgbClr val="FFFFFF"/>
+                </a:solidFill>
+              </a14:hiddenFill>
+            </a:ext>
+          </a:extLst>
+        </p:spPr>
+        <p:txBody>
+          <a:bodyPr vert="horz" wrap="square" lIns="91440" tIns="45720" rIns="91440" bIns="45720" numCol="1" anchor="t" anchorCtr="0" compatLnSpc="1">
+            <a:prstTxWarp prst="textNoShape">
+              <a:avLst/>
+            </a:prstTxWarp>
+          </a:bodyPr>
+          <a:lstStyle/>
+          <a:p>
+            <a:endParaRPr lang="ru-RU"/>
+          </a:p>
+        </p:txBody>
+      </p:sp>
+      <p:pic>
+        <p:nvPicPr>
+          <p:cNvPr id="1034" name="Picture 10" descr="15 лучших платформеров для Android"/>
+          <p:cNvPicPr>
+            <a:picLocks noChangeAspect="1" noChangeArrowheads="1"/>
+          </p:cNvPicPr>
+          <p:nvPr/>
+        </p:nvPicPr>
+        <p:blipFill>
+          <a:blip r:embed="rId2">
+            <a:extLst>
+              <a:ext uri="{28A0092B-C50C-407E-A947-70E740481C1C}">
+                <a14:useLocalDpi xmlns:a14="http://schemas.microsoft.com/office/drawing/2010/main" val="0"/>
+              </a:ext>
+            </a:extLst>
+          </a:blip>
+          <a:srcRect/>
+          <a:stretch>
+            <a:fillRect/>
+          </a:stretch>
+        </p:blipFill>
+        <p:spPr bwMode="auto">
+          <a:xfrm>
+            <a:off x="3757757" y="3435926"/>
+            <a:ext cx="4936086" cy="3292331"/>
+          </a:xfrm>
+          <a:prstGeom prst="rect">
+            <a:avLst/>
+          </a:prstGeom>
+          <a:noFill/>
+          <a:extLst>
+            <a:ext uri="{909E8E84-426E-40DD-AFC4-6F175D3DCCD1}">
+              <a14:hiddenFill xmlns:a14="http://schemas.microsoft.com/office/drawing/2010/main">
+                <a:solidFill>
+                  <a:srgbClr val="FFFFFF"/>
+                </a:solidFill>
+              </a14:hiddenFill>
+            </a:ext>
+          </a:extLst>
+        </p:spPr>
+      </p:pic>
+    </p:spTree>
+    <p:extLst>
+      <p:ext uri="{BB962C8B-B14F-4D97-AF65-F5344CB8AC3E}">
+        <p14:creationId xmlns:p14="http://schemas.microsoft.com/office/powerpoint/2010/main" val="3771447480"/>
+      </p:ext>
+    </p:extLst>
+  </p:cSld>
+  <p:clrMapOvr>
+    <a:masterClrMapping/>
+  </p:clrMapOvr>
+</p:sld>
+</file>
+
+<file path=ppt/slides/slide3.xml><?xml version="1.0" encoding="utf-8"?>
+<p:sld xmlns:a="http://schemas.openxmlformats.org/drawingml/2006/main" xmlns:r="http://schemas.openxmlformats.org/officeDocument/2006/relationships" xmlns:p="http://schemas.openxmlformats.org/presentationml/2006/main">
+  <p:cSld>
+    <p:spTree>
+      <p:nvGrpSpPr>
+        <p:cNvPr id="1" name=""/>
+        <p:cNvGrpSpPr/>
+        <p:nvPr/>
+      </p:nvGrpSpPr>
+      <p:grpSpPr>
+        <a:xfrm>
+          <a:off x="0" y="0"/>
+          <a:ext cx="0" cy="0"/>
+          <a:chOff x="0" y="0"/>
+          <a:chExt cx="0" cy="0"/>
+        </a:xfrm>
+      </p:grpSpPr>
+      <p:sp>
+        <p:nvSpPr>
+          <p:cNvPr id="2" name="Заголовок 1"/>
+          <p:cNvSpPr>
+            <a:spLocks noGrp="1"/>
+          </p:cNvSpPr>
+          <p:nvPr>
+            <p:ph type="title"/>
+          </p:nvPr>
+        </p:nvSpPr>
         <p:spPr>
           <a:xfrm>
             <a:off x="677334" y="609600"/>
@@ -6119,13 +6379,13 @@
   <p:clrMapOvr>
     <a:masterClrMapping/>
   </p:clrMapOvr>
-  <mc:AlternateContent xmlns:mc="http://schemas.openxmlformats.org/markup-compatibility/2006">
-    <mc:Choice xmlns:p14="http://schemas.microsoft.com/office/powerpoint/2010/main" Requires="p14">
+  <mc:AlternateContent xmlns:mc="http://schemas.openxmlformats.org/markup-compatibility/2006" xmlns:p14="http://schemas.microsoft.com/office/powerpoint/2010/main">
+    <mc:Choice Requires="p14">
       <p:transition spd="slow" p14:dur="1500">
         <p:split orient="vert"/>
       </p:transition>
     </mc:Choice>
-    <mc:Fallback>
+    <mc:Fallback xmlns="">
       <p:transition spd="slow">
         <p:split orient="vert"/>
       </p:transition>
@@ -6141,7 +6401,217 @@
 </p:sld>
 </file>
 
-<file path=ppt/slides/slide3.xml><?xml version="1.0" encoding="utf-8"?>
+<file path=ppt/slides/slide4.xml><?xml version="1.0" encoding="utf-8"?>
+<p:sld xmlns:a="http://schemas.openxmlformats.org/drawingml/2006/main" xmlns:r="http://schemas.openxmlformats.org/officeDocument/2006/relationships" xmlns:p="http://schemas.openxmlformats.org/presentationml/2006/main">
+  <p:cSld>
+    <p:spTree>
+      <p:nvGrpSpPr>
+        <p:cNvPr id="1" name=""/>
+        <p:cNvGrpSpPr/>
+        <p:nvPr/>
+      </p:nvGrpSpPr>
+      <p:grpSpPr>
+        <a:xfrm>
+          <a:off x="0" y="0"/>
+          <a:ext cx="0" cy="0"/>
+          <a:chOff x="0" y="0"/>
+          <a:chExt cx="0" cy="0"/>
+        </a:xfrm>
+      </p:grpSpPr>
+      <p:sp>
+        <p:nvSpPr>
+          <p:cNvPr id="2" name="Заголовок 1"/>
+          <p:cNvSpPr>
+            <a:spLocks noGrp="1"/>
+          </p:cNvSpPr>
+          <p:nvPr>
+            <p:ph type="title"/>
+          </p:nvPr>
+        </p:nvSpPr>
+        <p:spPr/>
+        <p:txBody>
+          <a:bodyPr/>
+          <a:lstStyle/>
+          <a:p>
+            <a:r>
+              <a:rPr lang="ru-RU" b="1" dirty="0"/>
+              <a:t>Описание реализации</a:t>
+            </a:r>
+            <a:r>
+              <a:rPr lang="ru-RU" dirty="0"/>
+              <a:t>:</a:t>
+            </a:r>
+            <a:endParaRPr lang="ru-RU" dirty="0"/>
+          </a:p>
+        </p:txBody>
+      </p:sp>
+      <p:sp>
+        <p:nvSpPr>
+          <p:cNvPr id="3" name="Объект 2"/>
+          <p:cNvSpPr>
+            <a:spLocks noGrp="1"/>
+          </p:cNvSpPr>
+          <p:nvPr>
+            <p:ph idx="1"/>
+          </p:nvPr>
+        </p:nvSpPr>
+        <p:spPr/>
+        <p:txBody>
+          <a:bodyPr/>
+          <a:lstStyle/>
+          <a:p>
+            <a:r>
+              <a:rPr lang="ru-MD" dirty="0" smtClean="0"/>
+              <a:t>В ходе работы использовалось большое количество разнообразных конструкций. К примеру классы: </a:t>
+            </a:r>
+            <a:r>
+              <a:rPr lang="en-US" dirty="0" err="1" smtClean="0"/>
+              <a:t>AnimatedSprite</a:t>
+            </a:r>
+            <a:r>
+              <a:rPr lang="en-US" dirty="0"/>
+              <a:t>, Particle, </a:t>
+            </a:r>
+            <a:r>
+              <a:rPr lang="en-US" dirty="0" smtClean="0"/>
+              <a:t>Tile.</a:t>
+            </a:r>
+            <a:r>
+              <a:rPr lang="ru-RU" dirty="0" smtClean="0"/>
+              <a:t> Также входе работы приходилось писать большое количество функций, например: </a:t>
+            </a:r>
+            <a:r>
+              <a:rPr lang="en-US" dirty="0" err="1" smtClean="0"/>
+              <a:t>canPstay</a:t>
+            </a:r>
+            <a:r>
+              <a:rPr lang="ru-MD" dirty="0" smtClean="0"/>
+              <a:t>, </a:t>
+            </a:r>
+            <a:r>
+              <a:rPr lang="en-US" dirty="0" err="1" smtClean="0"/>
+              <a:t>peredel_xy</a:t>
+            </a:r>
+            <a:r>
+              <a:rPr lang="ru-MD" dirty="0" smtClean="0"/>
+              <a:t>, </a:t>
+            </a:r>
+            <a:r>
+              <a:rPr lang="en-US" dirty="0" err="1" smtClean="0"/>
+              <a:t>isPontheGround</a:t>
+            </a:r>
+            <a:r>
+              <a:rPr lang="ru-MD" dirty="0" smtClean="0"/>
+              <a:t>, </a:t>
+            </a:r>
+            <a:r>
+              <a:rPr lang="en-US" dirty="0" err="1" smtClean="0"/>
+              <a:t>isSthNear</a:t>
+            </a:r>
+            <a:r>
+              <a:rPr lang="ru-MD" dirty="0" smtClean="0"/>
+              <a:t> и т.д.</a:t>
+            </a:r>
+            <a:endParaRPr lang="en-US" dirty="0"/>
+          </a:p>
+        </p:txBody>
+      </p:sp>
+      <p:pic>
+        <p:nvPicPr>
+          <p:cNvPr id="2050" name="Picture 2" descr="Работаем с функциями в Python"/>
+          <p:cNvPicPr>
+            <a:picLocks noChangeAspect="1" noChangeArrowheads="1"/>
+          </p:cNvPicPr>
+          <p:nvPr/>
+        </p:nvPicPr>
+        <p:blipFill>
+          <a:blip r:embed="rId2">
+            <a:extLst>
+              <a:ext uri="{28A0092B-C50C-407E-A947-70E740481C1C}">
+                <a14:useLocalDpi xmlns:a14="http://schemas.microsoft.com/office/drawing/2010/main" val="0"/>
+              </a:ext>
+            </a:extLst>
+          </a:blip>
+          <a:srcRect/>
+          <a:stretch>
+            <a:fillRect/>
+          </a:stretch>
+        </p:blipFill>
+        <p:spPr bwMode="auto">
+          <a:xfrm>
+            <a:off x="418813" y="3768437"/>
+            <a:ext cx="4895178" cy="2718809"/>
+          </a:xfrm>
+          <a:prstGeom prst="rect">
+            <a:avLst/>
+          </a:prstGeom>
+          <a:noFill/>
+          <a:extLst>
+            <a:ext uri="{909E8E84-426E-40DD-AFC4-6F175D3DCCD1}">
+              <a14:hiddenFill xmlns:a14="http://schemas.microsoft.com/office/drawing/2010/main">
+                <a:solidFill>
+                  <a:srgbClr val="FFFFFF"/>
+                </a:solidFill>
+              </a14:hiddenFill>
+            </a:ext>
+          </a:extLst>
+        </p:spPr>
+      </p:pic>
+      <p:pic>
+        <p:nvPicPr>
+          <p:cNvPr id="2052" name="Picture 4" descr="Внутренности Python. Пасхалки / Хабр"/>
+          <p:cNvPicPr>
+            <a:picLocks noChangeAspect="1" noChangeArrowheads="1"/>
+          </p:cNvPicPr>
+          <p:nvPr/>
+        </p:nvPicPr>
+        <p:blipFill>
+          <a:blip r:embed="rId3">
+            <a:extLst>
+              <a:ext uri="{28A0092B-C50C-407E-A947-70E740481C1C}">
+                <a14:useLocalDpi xmlns:a14="http://schemas.microsoft.com/office/drawing/2010/main" val="0"/>
+              </a:ext>
+            </a:extLst>
+          </a:blip>
+          <a:srcRect/>
+          <a:stretch>
+            <a:fillRect/>
+          </a:stretch>
+        </p:blipFill>
+        <p:spPr bwMode="auto">
+          <a:xfrm>
+            <a:off x="5849793" y="3576696"/>
+            <a:ext cx="2498839" cy="3281304"/>
+          </a:xfrm>
+          <a:prstGeom prst="rect">
+            <a:avLst/>
+          </a:prstGeom>
+          <a:noFill/>
+          <a:extLst>
+            <a:ext uri="{909E8E84-426E-40DD-AFC4-6F175D3DCCD1}">
+              <a14:hiddenFill xmlns:a14="http://schemas.microsoft.com/office/drawing/2010/main">
+                <a:solidFill>
+                  <a:srgbClr val="FFFFFF"/>
+                </a:solidFill>
+              </a14:hiddenFill>
+            </a:ext>
+          </a:extLst>
+        </p:spPr>
+      </p:pic>
+    </p:spTree>
+    <p:extLst>
+      <p:ext uri="{BB962C8B-B14F-4D97-AF65-F5344CB8AC3E}">
+        <p14:creationId xmlns:p14="http://schemas.microsoft.com/office/powerpoint/2010/main" val="2087089410"/>
+      </p:ext>
+    </p:extLst>
+  </p:cSld>
+  <p:clrMapOvr>
+    <a:masterClrMapping/>
+  </p:clrMapOvr>
+</p:sld>
+</file>
+
+<file path=ppt/slides/slide5.xml><?xml version="1.0" encoding="utf-8"?>
 <p:sld xmlns:a="http://schemas.openxmlformats.org/drawingml/2006/main" xmlns:r="http://schemas.openxmlformats.org/officeDocument/2006/relationships" xmlns:p="http://schemas.openxmlformats.org/presentationml/2006/main">
   <p:cSld>
     <p:spTree>
@@ -6415,7 +6885,124 @@
 </p:sld>
 </file>
 
-<file path=ppt/slides/slide4.xml><?xml version="1.0" encoding="utf-8"?>
+<file path=ppt/slides/slide6.xml><?xml version="1.0" encoding="utf-8"?>
+<p:sld xmlns:a="http://schemas.openxmlformats.org/drawingml/2006/main" xmlns:r="http://schemas.openxmlformats.org/officeDocument/2006/relationships" xmlns:p="http://schemas.openxmlformats.org/presentationml/2006/main">
+  <p:cSld>
+    <p:spTree>
+      <p:nvGrpSpPr>
+        <p:cNvPr id="1" name=""/>
+        <p:cNvGrpSpPr/>
+        <p:nvPr/>
+      </p:nvGrpSpPr>
+      <p:grpSpPr>
+        <a:xfrm>
+          <a:off x="0" y="0"/>
+          <a:ext cx="0" cy="0"/>
+          <a:chOff x="0" y="0"/>
+          <a:chExt cx="0" cy="0"/>
+        </a:xfrm>
+      </p:grpSpPr>
+      <p:sp>
+        <p:nvSpPr>
+          <p:cNvPr id="2" name="Заголовок 1"/>
+          <p:cNvSpPr>
+            <a:spLocks noGrp="1"/>
+          </p:cNvSpPr>
+          <p:nvPr>
+            <p:ph type="title"/>
+          </p:nvPr>
+        </p:nvSpPr>
+        <p:spPr/>
+        <p:txBody>
+          <a:bodyPr/>
+          <a:lstStyle/>
+          <a:p>
+            <a:r>
+              <a:rPr lang="ru-MD" dirty="0" smtClean="0"/>
+              <a:t>Итог:</a:t>
+            </a:r>
+            <a:endParaRPr lang="ru-RU" dirty="0"/>
+          </a:p>
+        </p:txBody>
+      </p:sp>
+      <p:sp>
+        <p:nvSpPr>
+          <p:cNvPr id="3" name="Объект 2"/>
+          <p:cNvSpPr>
+            <a:spLocks noGrp="1"/>
+          </p:cNvSpPr>
+          <p:nvPr>
+            <p:ph idx="1"/>
+          </p:nvPr>
+        </p:nvSpPr>
+        <p:spPr/>
+        <p:txBody>
+          <a:bodyPr/>
+          <a:lstStyle/>
+          <a:p>
+            <a:r>
+              <a:rPr lang="ru-MD" dirty="0" smtClean="0"/>
+              <a:t>В ходе работы у нас получилось создать игру, но она не идеальна, её можно развивать. Например добавить больше уровней или больше способов умереть. На худой конец можно добавить телепорты, это вообще самое простое что можно добавить.</a:t>
+            </a:r>
+            <a:endParaRPr lang="ru-RU" dirty="0"/>
+          </a:p>
+        </p:txBody>
+      </p:sp>
+      <p:pic>
+        <p:nvPicPr>
+          <p:cNvPr id="3076" name="Picture 4" descr="Моноид-тян 🤔 en Twitter: &quot;Ничего личного, просто мемы  https://t.co/l3z83xlBjV&quot; / Twitter"/>
+          <p:cNvPicPr>
+            <a:picLocks noChangeAspect="1" noChangeArrowheads="1"/>
+          </p:cNvPicPr>
+          <p:nvPr/>
+        </p:nvPicPr>
+        <p:blipFill>
+          <a:blip r:embed="rId2">
+            <a:extLst>
+              <a:ext uri="{28A0092B-C50C-407E-A947-70E740481C1C}">
+                <a14:useLocalDpi xmlns:a14="http://schemas.microsoft.com/office/drawing/2010/main" val="0"/>
+              </a:ext>
+            </a:extLst>
+          </a:blip>
+          <a:srcRect/>
+          <a:stretch>
+            <a:fillRect/>
+          </a:stretch>
+        </p:blipFill>
+        <p:spPr bwMode="auto">
+          <a:xfrm>
+            <a:off x="858982" y="3993324"/>
+            <a:ext cx="4599708" cy="2278227"/>
+          </a:xfrm>
+          <a:prstGeom prst="rect">
+            <a:avLst/>
+          </a:prstGeom>
+          <a:noFill/>
+          <a:extLst>
+            <a:ext uri="{909E8E84-426E-40DD-AFC4-6F175D3DCCD1}">
+              <a14:hiddenFill xmlns:a14="http://schemas.microsoft.com/office/drawing/2010/main">
+                <a:solidFill>
+                  <a:srgbClr val="FFFFFF"/>
+                </a:solidFill>
+              </a14:hiddenFill>
+            </a:ext>
+          </a:extLst>
+        </p:spPr>
+      </p:pic>
+    </p:spTree>
+    <p:extLst>
+      <p:ext uri="{BB962C8B-B14F-4D97-AF65-F5344CB8AC3E}">
+        <p14:creationId xmlns:p14="http://schemas.microsoft.com/office/powerpoint/2010/main" val="644461819"/>
+      </p:ext>
+    </p:extLst>
+  </p:cSld>
+  <p:clrMapOvr>
+    <a:masterClrMapping/>
+  </p:clrMapOvr>
+</p:sld>
+</file>
+
+<file path=ppt/slides/slide7.xml><?xml version="1.0" encoding="utf-8"?>
 <p:sld xmlns:a="http://schemas.openxmlformats.org/drawingml/2006/main" xmlns:r="http://schemas.openxmlformats.org/officeDocument/2006/relationships" xmlns:p="http://schemas.openxmlformats.org/presentationml/2006/main">
   <p:cSld>
     <p:spTree>
